--- a/공용폴더/주간발표자료/2020_12_18/이현섭/2020_12_17_주간발표자료_이현섭.pptx
+++ b/공용폴더/주간발표자료/2020_12_18/이현섭/2020_12_17_주간발표자료_이현섭.pptx
@@ -126,7 +126,7 @@
   </p:defaultTextStyle>
   <p:extLst>
     <p:ext uri="{EFAFB233-063F-42B5-8137-9DF3F51BA10A}">
-      <p15:sldGuideLst xmlns="" xmlns:p15="http://schemas.microsoft.com/office/powerpoint/2012/main"/>
+      <p15:sldGuideLst xmlns:p15="http://schemas.microsoft.com/office/powerpoint/2012/main" xmlns=""/>
     </p:ext>
   </p:extLst>
 </p:presentation>
@@ -3215,10 +3215,6 @@
               </a:rPr>
               <a:t>일</a:t>
             </a:r>
-            <a:endParaRPr lang="ko-KR" altLang="en-US" sz="1100" dirty="0">
-              <a:latin typeface="나눔고딕" panose="020D0604000000000000" pitchFamily="50" charset="-127"/>
-              <a:ea typeface="나눔고딕" panose="020D0604000000000000" pitchFamily="50" charset="-127"/>
-            </a:endParaRPr>
           </a:p>
         </p:txBody>
       </p:sp>
@@ -4288,10 +4284,6 @@
               </a:rPr>
               <a:t>적용 후</a:t>
             </a:r>
-            <a:endParaRPr lang="ko-KR" altLang="en-US" dirty="0">
-              <a:latin typeface="나눔고딕" panose="020D0604000000000000" pitchFamily="50" charset="-127"/>
-              <a:ea typeface="나눔고딕" panose="020D0604000000000000" pitchFamily="50" charset="-127"/>
-            </a:endParaRPr>
           </a:p>
         </p:txBody>
       </p:sp>
@@ -4534,10 +4526,6 @@
               </a:rPr>
               <a:t>일</a:t>
             </a:r>
-            <a:endParaRPr lang="ko-KR" altLang="en-US" sz="1100" dirty="0">
-              <a:latin typeface="나눔고딕" panose="020D0604000000000000" pitchFamily="50" charset="-127"/>
-              <a:ea typeface="나눔고딕" panose="020D0604000000000000" pitchFamily="50" charset="-127"/>
-            </a:endParaRPr>
           </a:p>
         </p:txBody>
       </p:sp>
@@ -5628,10 +5616,6 @@
               </a:rPr>
               <a:t>적용 후</a:t>
             </a:r>
-            <a:endParaRPr lang="ko-KR" altLang="en-US" dirty="0">
-              <a:latin typeface="나눔고딕" panose="020D0604000000000000" pitchFamily="50" charset="-127"/>
-              <a:ea typeface="나눔고딕" panose="020D0604000000000000" pitchFamily="50" charset="-127"/>
-            </a:endParaRPr>
           </a:p>
         </p:txBody>
       </p:sp>
@@ -5874,10 +5858,6 @@
               </a:rPr>
               <a:t>일</a:t>
             </a:r>
-            <a:endParaRPr lang="ko-KR" altLang="en-US" sz="1100" dirty="0">
-              <a:latin typeface="나눔고딕" panose="020D0604000000000000" pitchFamily="50" charset="-127"/>
-              <a:ea typeface="나눔고딕" panose="020D0604000000000000" pitchFamily="50" charset="-127"/>
-            </a:endParaRPr>
           </a:p>
         </p:txBody>
       </p:sp>
@@ -6546,8 +6526,8 @@
         </p:blipFill>
         <p:spPr>
           <a:xfrm>
-            <a:off x="1050325" y="1690436"/>
-            <a:ext cx="9963670" cy="4867667"/>
+            <a:off x="1050326" y="1690436"/>
+            <a:ext cx="9963668" cy="4867667"/>
           </a:xfrm>
           <a:prstGeom prst="rect">
             <a:avLst/>
@@ -6599,8 +6579,8 @@
         </p:nvSpPr>
         <p:spPr>
           <a:xfrm>
-            <a:off x="2174746" y="2629564"/>
-            <a:ext cx="3278659" cy="3928540"/>
+            <a:off x="4341340" y="2388973"/>
+            <a:ext cx="3278659" cy="4169131"/>
           </a:xfrm>
           <a:prstGeom prst="rect">
             <a:avLst/>
@@ -6919,8 +6899,8 @@
         </p:blipFill>
         <p:spPr>
           <a:xfrm>
-            <a:off x="1050325" y="1690436"/>
-            <a:ext cx="9963670" cy="4867667"/>
+            <a:off x="1050326" y="1690436"/>
+            <a:ext cx="9963668" cy="4867667"/>
           </a:xfrm>
           <a:prstGeom prst="rect">
             <a:avLst/>
@@ -6961,10 +6941,6 @@
               </a:rPr>
               <a:t>적용 후</a:t>
             </a:r>
-            <a:endParaRPr lang="ko-KR" altLang="en-US" dirty="0">
-              <a:latin typeface="나눔고딕" panose="020D0604000000000000" pitchFamily="50" charset="-127"/>
-              <a:ea typeface="나눔고딕" panose="020D0604000000000000" pitchFamily="50" charset="-127"/>
-            </a:endParaRPr>
           </a:p>
         </p:txBody>
       </p:sp>
@@ -6976,8 +6952,8 @@
         </p:nvSpPr>
         <p:spPr>
           <a:xfrm>
-            <a:off x="2174746" y="2629564"/>
-            <a:ext cx="3278659" cy="3928540"/>
+            <a:off x="4357816" y="2306595"/>
+            <a:ext cx="3278659" cy="4251509"/>
           </a:xfrm>
           <a:prstGeom prst="rect">
             <a:avLst/>
@@ -7063,7 +7039,7 @@
           <p:cNvPr id="8" name="직사각형 7">
             <a:extLst>
               <a:ext uri="{FF2B5EF4-FFF2-40B4-BE49-F238E27FC236}">
-                <a16:creationId xmlns="" xmlns:a16="http://schemas.microsoft.com/office/drawing/2014/main" id="{C219AF17-6DE2-4A47-8523-1D5DE7C39DF3}"/>
+                <a16:creationId xmlns:a16="http://schemas.microsoft.com/office/drawing/2014/main" xmlns="" id="{C219AF17-6DE2-4A47-8523-1D5DE7C39DF3}"/>
               </a:ext>
             </a:extLst>
           </p:cNvPr>
@@ -7294,7 +7270,7 @@
           <p:cNvPr id="7" name="직사각형 6">
             <a:extLst>
               <a:ext uri="{FF2B5EF4-FFF2-40B4-BE49-F238E27FC236}">
-                <a16:creationId xmlns="" xmlns:a16="http://schemas.microsoft.com/office/drawing/2014/main" id="{951F10A1-5749-4A8E-86D9-6D4EC8DF2A6E}"/>
+                <a16:creationId xmlns:a16="http://schemas.microsoft.com/office/drawing/2014/main" xmlns="" id="{951F10A1-5749-4A8E-86D9-6D4EC8DF2A6E}"/>
               </a:ext>
             </a:extLst>
           </p:cNvPr>
@@ -7380,7 +7356,7 @@
           <p:cNvPr id="2" name="직사각형 1">
             <a:extLst>
               <a:ext uri="{FF2B5EF4-FFF2-40B4-BE49-F238E27FC236}">
-                <a16:creationId xmlns="" xmlns:a16="http://schemas.microsoft.com/office/drawing/2014/main" id="{37EEE62A-258F-46DF-A7ED-684AF4088D60}"/>
+                <a16:creationId xmlns:a16="http://schemas.microsoft.com/office/drawing/2014/main" xmlns="" id="{37EEE62A-258F-46DF-A7ED-684AF4088D60}"/>
               </a:ext>
             </a:extLst>
           </p:cNvPr>
@@ -7751,7 +7727,7 @@
           <p:cNvPr id="8" name="직사각형 7">
             <a:extLst>
               <a:ext uri="{FF2B5EF4-FFF2-40B4-BE49-F238E27FC236}">
-                <a16:creationId xmlns="" xmlns:a16="http://schemas.microsoft.com/office/drawing/2014/main" id="{C219AF17-6DE2-4A47-8523-1D5DE7C39DF3}"/>
+                <a16:creationId xmlns:a16="http://schemas.microsoft.com/office/drawing/2014/main" xmlns="" id="{C219AF17-6DE2-4A47-8523-1D5DE7C39DF3}"/>
               </a:ext>
             </a:extLst>
           </p:cNvPr>
@@ -7982,7 +7958,7 @@
           <p:cNvPr id="7" name="직사각형 6">
             <a:extLst>
               <a:ext uri="{FF2B5EF4-FFF2-40B4-BE49-F238E27FC236}">
-                <a16:creationId xmlns="" xmlns:a16="http://schemas.microsoft.com/office/drawing/2014/main" id="{951F10A1-5749-4A8E-86D9-6D4EC8DF2A6E}"/>
+                <a16:creationId xmlns:a16="http://schemas.microsoft.com/office/drawing/2014/main" xmlns="" id="{951F10A1-5749-4A8E-86D9-6D4EC8DF2A6E}"/>
               </a:ext>
             </a:extLst>
           </p:cNvPr>
@@ -8061,7 +8037,7 @@
           <p:cNvPr id="8" name="직사각형 7">
             <a:extLst>
               <a:ext uri="{FF2B5EF4-FFF2-40B4-BE49-F238E27FC236}">
-                <a16:creationId xmlns="" xmlns:a16="http://schemas.microsoft.com/office/drawing/2014/main" id="{C219AF17-6DE2-4A47-8523-1D5DE7C39DF3}"/>
+                <a16:creationId xmlns:a16="http://schemas.microsoft.com/office/drawing/2014/main" xmlns="" id="{C219AF17-6DE2-4A47-8523-1D5DE7C39DF3}"/>
               </a:ext>
             </a:extLst>
           </p:cNvPr>
@@ -8292,7 +8268,7 @@
           <p:cNvPr id="7" name="직사각형 6">
             <a:extLst>
               <a:ext uri="{FF2B5EF4-FFF2-40B4-BE49-F238E27FC236}">
-                <a16:creationId xmlns="" xmlns:a16="http://schemas.microsoft.com/office/drawing/2014/main" id="{951F10A1-5749-4A8E-86D9-6D4EC8DF2A6E}"/>
+                <a16:creationId xmlns:a16="http://schemas.microsoft.com/office/drawing/2014/main" xmlns="" id="{951F10A1-5749-4A8E-86D9-6D4EC8DF2A6E}"/>
               </a:ext>
             </a:extLst>
           </p:cNvPr>
@@ -8439,7 +8415,7 @@
           <p:cNvPr id="10" name="TextBox 9">
             <a:extLst>
               <a:ext uri="{FF2B5EF4-FFF2-40B4-BE49-F238E27FC236}">
-                <a16:creationId xmlns="" xmlns:a16="http://schemas.microsoft.com/office/drawing/2014/main" id="{86539C39-CBA2-4FDE-8100-A26A3EA4C3DB}"/>
+                <a16:creationId xmlns:a16="http://schemas.microsoft.com/office/drawing/2014/main" xmlns="" id="{86539C39-CBA2-4FDE-8100-A26A3EA4C3DB}"/>
               </a:ext>
             </a:extLst>
           </p:cNvPr>
@@ -8516,7 +8492,7 @@
           <p:cNvPr id="11" name="TextBox 10">
             <a:extLst>
               <a:ext uri="{FF2B5EF4-FFF2-40B4-BE49-F238E27FC236}">
-                <a16:creationId xmlns="" xmlns:a16="http://schemas.microsoft.com/office/drawing/2014/main" id="{EA549634-7CAB-4E80-AFBC-2DE77C2021D1}"/>
+                <a16:creationId xmlns:a16="http://schemas.microsoft.com/office/drawing/2014/main" xmlns="" id="{EA549634-7CAB-4E80-AFBC-2DE77C2021D1}"/>
               </a:ext>
             </a:extLst>
           </p:cNvPr>
@@ -8603,7 +8579,7 @@
           <p:cNvPr id="8" name="직사각형 7">
             <a:extLst>
               <a:ext uri="{FF2B5EF4-FFF2-40B4-BE49-F238E27FC236}">
-                <a16:creationId xmlns="" xmlns:a16="http://schemas.microsoft.com/office/drawing/2014/main" id="{13050197-F50B-45F7-9487-6D9AEF095E12}"/>
+                <a16:creationId xmlns:a16="http://schemas.microsoft.com/office/drawing/2014/main" xmlns="" id="{13050197-F50B-45F7-9487-6D9AEF095E12}"/>
               </a:ext>
             </a:extLst>
           </p:cNvPr>
@@ -8652,7 +8628,7 @@
           <p:cNvPr id="9" name="TextBox 8">
             <a:extLst>
               <a:ext uri="{FF2B5EF4-FFF2-40B4-BE49-F238E27FC236}">
-                <a16:creationId xmlns="" xmlns:a16="http://schemas.microsoft.com/office/drawing/2014/main" id="{BFE66A18-688B-4BFB-B331-B03862D8E690}"/>
+                <a16:creationId xmlns:a16="http://schemas.microsoft.com/office/drawing/2014/main" xmlns="" id="{BFE66A18-688B-4BFB-B331-B03862D8E690}"/>
               </a:ext>
             </a:extLst>
           </p:cNvPr>
@@ -8809,7 +8785,7 @@
           <p:cNvPr id="10" name="TextBox 9">
             <a:extLst>
               <a:ext uri="{FF2B5EF4-FFF2-40B4-BE49-F238E27FC236}">
-                <a16:creationId xmlns="" xmlns:a16="http://schemas.microsoft.com/office/drawing/2014/main" id="{86539C39-CBA2-4FDE-8100-A26A3EA4C3DB}"/>
+                <a16:creationId xmlns:a16="http://schemas.microsoft.com/office/drawing/2014/main" xmlns="" id="{86539C39-CBA2-4FDE-8100-A26A3EA4C3DB}"/>
               </a:ext>
             </a:extLst>
           </p:cNvPr>
@@ -8874,10 +8850,6 @@
               </a:rPr>
               <a:t>주차 </a:t>
             </a:r>
-            <a:endParaRPr lang="ko-KR" altLang="en-US" dirty="0">
-              <a:latin typeface="나눔고딕" panose="020D0604000000000000" pitchFamily="50" charset="-127"/>
-              <a:ea typeface="나눔고딕" panose="020D0604000000000000" pitchFamily="50" charset="-127"/>
-            </a:endParaRPr>
           </a:p>
         </p:txBody>
       </p:sp>
@@ -8886,7 +8858,7 @@
           <p:cNvPr id="11" name="TextBox 10">
             <a:extLst>
               <a:ext uri="{FF2B5EF4-FFF2-40B4-BE49-F238E27FC236}">
-                <a16:creationId xmlns="" xmlns:a16="http://schemas.microsoft.com/office/drawing/2014/main" id="{EA549634-7CAB-4E80-AFBC-2DE77C2021D1}"/>
+                <a16:creationId xmlns:a16="http://schemas.microsoft.com/office/drawing/2014/main" xmlns="" id="{EA549634-7CAB-4E80-AFBC-2DE77C2021D1}"/>
               </a:ext>
             </a:extLst>
           </p:cNvPr>
@@ -8973,7 +8945,7 @@
           <p:cNvPr id="8" name="직사각형 7">
             <a:extLst>
               <a:ext uri="{FF2B5EF4-FFF2-40B4-BE49-F238E27FC236}">
-                <a16:creationId xmlns="" xmlns:a16="http://schemas.microsoft.com/office/drawing/2014/main" id="{13050197-F50B-45F7-9487-6D9AEF095E12}"/>
+                <a16:creationId xmlns:a16="http://schemas.microsoft.com/office/drawing/2014/main" xmlns="" id="{13050197-F50B-45F7-9487-6D9AEF095E12}"/>
               </a:ext>
             </a:extLst>
           </p:cNvPr>
@@ -9022,7 +8994,7 @@
           <p:cNvPr id="9" name="TextBox 8">
             <a:extLst>
               <a:ext uri="{FF2B5EF4-FFF2-40B4-BE49-F238E27FC236}">
-                <a16:creationId xmlns="" xmlns:a16="http://schemas.microsoft.com/office/drawing/2014/main" id="{BFE66A18-688B-4BFB-B331-B03862D8E690}"/>
+                <a16:creationId xmlns:a16="http://schemas.microsoft.com/office/drawing/2014/main" xmlns="" id="{BFE66A18-688B-4BFB-B331-B03862D8E690}"/>
               </a:ext>
             </a:extLst>
           </p:cNvPr>
@@ -9111,7 +9083,7 @@
           <p:cNvPr id="8" name="직사각형 7">
             <a:extLst>
               <a:ext uri="{FF2B5EF4-FFF2-40B4-BE49-F238E27FC236}">
-                <a16:creationId xmlns="" xmlns:a16="http://schemas.microsoft.com/office/drawing/2014/main" id="{C219AF17-6DE2-4A47-8523-1D5DE7C39DF3}"/>
+                <a16:creationId xmlns:a16="http://schemas.microsoft.com/office/drawing/2014/main" xmlns="" id="{C219AF17-6DE2-4A47-8523-1D5DE7C39DF3}"/>
               </a:ext>
             </a:extLst>
           </p:cNvPr>
@@ -9346,10 +9318,6 @@
               </a:rPr>
               <a:t>주차 </a:t>
             </a:r>
-            <a:endParaRPr lang="ko-KR" altLang="en-US" dirty="0">
-              <a:latin typeface="나눔고딕" panose="020D0604000000000000" pitchFamily="50" charset="-127"/>
-              <a:ea typeface="나눔고딕" panose="020D0604000000000000" pitchFamily="50" charset="-127"/>
-            </a:endParaRPr>
           </a:p>
         </p:txBody>
       </p:sp>
@@ -9501,10 +9469,6 @@
               </a:rPr>
               <a:t>주차 </a:t>
             </a:r>
-            <a:endParaRPr lang="ko-KR" altLang="en-US" dirty="0">
-              <a:latin typeface="나눔고딕" panose="020D0604000000000000" pitchFamily="50" charset="-127"/>
-              <a:ea typeface="나눔고딕" panose="020D0604000000000000" pitchFamily="50" charset="-127"/>
-            </a:endParaRPr>
           </a:p>
         </p:txBody>
       </p:sp>
@@ -9586,10 +9550,6 @@
               </a:rPr>
               <a:t>일</a:t>
             </a:r>
-            <a:endParaRPr lang="ko-KR" altLang="en-US" sz="1100" dirty="0">
-              <a:latin typeface="나눔고딕" panose="020D0604000000000000" pitchFamily="50" charset="-127"/>
-              <a:ea typeface="나눔고딕" panose="020D0604000000000000" pitchFamily="50" charset="-127"/>
-            </a:endParaRPr>
           </a:p>
         </p:txBody>
       </p:sp>
@@ -9687,7 +9647,6 @@
               <a:rPr lang="ko-KR" altLang="en-US" dirty="0"/>
               <a:t>기업 홈페이지 수정 작업</a:t>
             </a:r>
-            <a:endParaRPr lang="ko-KR" altLang="en-US" dirty="0"/>
           </a:p>
         </p:txBody>
       </p:sp>
@@ -9722,14 +9681,7 @@
                 <a:latin typeface="나눔고딕" panose="020D0604000000000000" pitchFamily="50" charset="-127"/>
                 <a:ea typeface="나눔고딕" panose="020D0604000000000000" pitchFamily="50" charset="-127"/>
               </a:rPr>
-              <a:t>도표 묶음 </a:t>
-            </a:r>
-            <a:r>
-              <a:rPr lang="ko-KR" altLang="en-US" sz="1600" dirty="0" smtClean="0">
-                <a:latin typeface="나눔고딕" panose="020D0604000000000000" pitchFamily="50" charset="-127"/>
-                <a:ea typeface="나눔고딕" panose="020D0604000000000000" pitchFamily="50" charset="-127"/>
-              </a:rPr>
-              <a:t>제목 변경</a:t>
+              <a:t>도표 묶음 제목 변경</a:t>
             </a:r>
             <a:endParaRPr lang="en-US" altLang="ko-KR" sz="1600" dirty="0" smtClean="0">
               <a:latin typeface="나눔고딕" panose="020D0604000000000000" pitchFamily="50" charset="-127"/>
@@ -9991,10 +9943,6 @@
               </a:rPr>
               <a:t>일</a:t>
             </a:r>
-            <a:endParaRPr lang="ko-KR" altLang="en-US" sz="1100" dirty="0">
-              <a:latin typeface="나눔고딕" panose="020D0604000000000000" pitchFamily="50" charset="-127"/>
-              <a:ea typeface="나눔고딕" panose="020D0604000000000000" pitchFamily="50" charset="-127"/>
-            </a:endParaRPr>
           </a:p>
         </p:txBody>
       </p:sp>
@@ -11116,10 +11064,6 @@
               </a:rPr>
               <a:t>적용 후</a:t>
             </a:r>
-            <a:endParaRPr lang="ko-KR" altLang="en-US" dirty="0">
-              <a:latin typeface="나눔고딕" panose="020D0604000000000000" pitchFamily="50" charset="-127"/>
-              <a:ea typeface="나눔고딕" panose="020D0604000000000000" pitchFamily="50" charset="-127"/>
-            </a:endParaRPr>
           </a:p>
         </p:txBody>
       </p:sp>
@@ -11451,7 +11395,7 @@
   <a:extraClrSchemeLst/>
   <a:extLst>
     <a:ext uri="{05A4C25C-085E-4340-85A3-A5531E510DB2}">
-      <thm15:themeFamily xmlns="" xmlns:thm15="http://schemas.microsoft.com/office/thememl/2012/main" name="Office Theme" id="{62F939B6-93AF-4DB8-9C6B-D6C7DFDC589F}" vid="{4A3C46E8-61CC-4603-A589-7422A47A8E4A}"/>
+      <thm15:themeFamily xmlns:thm15="http://schemas.microsoft.com/office/thememl/2012/main" xmlns="" name="Office Theme" id="{62F939B6-93AF-4DB8-9C6B-D6C7DFDC589F}" vid="{4A3C46E8-61CC-4603-A589-7422A47A8E4A}"/>
     </a:ext>
   </a:extLst>
 </a:theme>
